--- a/Draft/SPCOM2022_presentation.pptx
+++ b/Draft/SPCOM2022_presentation.pptx
@@ -119,6 +119,11 @@
       </a:defRPr>
     </a:lvl9pPr>
   </p:defaultTextStyle>
+  <p:extLst>
+    <p:ext uri="{EFAFB233-063F-42B5-8137-9DF3F51BA10A}">
+      <p15:sldGuideLst xmlns:p15="http://schemas.microsoft.com/office/powerpoint/2012/main"/>
+    </p:ext>
+  </p:extLst>
 </p:presentation>
 </file>
 
@@ -204,7 +209,7 @@
           <a:p>
             <a:fld id="{3A2F4668-6A6E-46C1-AE1D-D264239C3FD7}" type="datetimeFigureOut">
               <a:rPr lang="ko-KR" altLang="en-US" smtClean="0"/>
-              <a:t>2022-06-19</a:t>
+              <a:t>2022-06-21</a:t>
             </a:fld>
             <a:endParaRPr lang="ko-KR" altLang="en-US"/>
           </a:p>
@@ -516,10 +521,6 @@
           <a:bodyPr/>
           <a:lstStyle/>
           <a:p>
-            <a:r>
-              <a:rPr lang="en-US" altLang="ko-KR" dirty="0"/>
-              <a:t>Write why CNN, why sub-6GHZ is used (one pilot), why channel factors (efficient), then introduce beamformer introduction as an application</a:t>
-            </a:r>
             <a:endParaRPr lang="ko-KR" altLang="en-US" dirty="0"/>
           </a:p>
         </p:txBody>
@@ -604,10 +605,6 @@
           <a:bodyPr/>
           <a:lstStyle/>
           <a:p>
-            <a:r>
-              <a:rPr lang="en-US" altLang="ko-KR" dirty="0"/>
-              <a:t>Write why CNN, why sub-6GHZ is used (one pilot), why channel factors (efficient), then introduce beamformer introduction as an application</a:t>
-            </a:r>
             <a:endParaRPr lang="ko-KR" altLang="en-US" dirty="0"/>
           </a:p>
         </p:txBody>
@@ -752,10 +749,6 @@
           <a:bodyPr/>
           <a:lstStyle/>
           <a:p>
-            <a:r>
-              <a:rPr lang="en-US" altLang="ko-KR" dirty="0"/>
-              <a:t>Write why CNN, why sub-6GHZ is used (one pilot), why channel factors (efficient), then introduce beamformer introduction as an application</a:t>
-            </a:r>
             <a:endParaRPr lang="ko-KR" altLang="en-US" dirty="0"/>
           </a:p>
         </p:txBody>
@@ -900,10 +893,6 @@
           <a:bodyPr/>
           <a:lstStyle/>
           <a:p>
-            <a:r>
-              <a:rPr lang="en-US" altLang="ko-KR" dirty="0"/>
-              <a:t>Write why CNN, why sub-6GHZ is used (one pilot), why channel factors (efficient), then introduce beamformer introduction as an application</a:t>
-            </a:r>
             <a:endParaRPr lang="ko-KR" altLang="en-US" dirty="0"/>
           </a:p>
         </p:txBody>
@@ -1048,10 +1037,6 @@
           <a:bodyPr/>
           <a:lstStyle/>
           <a:p>
-            <a:r>
-              <a:rPr lang="en-US" altLang="ko-KR" dirty="0"/>
-              <a:t>Write why CNN, why sub-6GHZ is used (one pilot), why channel factors (efficient), then introduce beamformer introduction as an application</a:t>
-            </a:r>
             <a:endParaRPr lang="ko-KR" altLang="en-US" dirty="0"/>
           </a:p>
         </p:txBody>
@@ -1196,10 +1181,6 @@
           <a:bodyPr/>
           <a:lstStyle/>
           <a:p>
-            <a:r>
-              <a:rPr lang="en-US" altLang="ko-KR" dirty="0"/>
-              <a:t>Write why CNN, why sub-6GHZ is used (one pilot), why channel factors (efficient), then introduce beamformer introduction as an application</a:t>
-            </a:r>
             <a:endParaRPr lang="ko-KR" altLang="en-US" dirty="0"/>
           </a:p>
         </p:txBody>
@@ -1344,10 +1325,6 @@
           <a:bodyPr/>
           <a:lstStyle/>
           <a:p>
-            <a:r>
-              <a:rPr lang="en-US" altLang="ko-KR" dirty="0"/>
-              <a:t>Write why CNN, why sub-6GHZ is used (one pilot), why channel factors (efficient), then introduce beamformer introduction as an application</a:t>
-            </a:r>
             <a:endParaRPr lang="ko-KR" altLang="en-US" dirty="0"/>
           </a:p>
         </p:txBody>
@@ -1492,10 +1469,6 @@
           <a:bodyPr/>
           <a:lstStyle/>
           <a:p>
-            <a:r>
-              <a:rPr lang="en-US" altLang="ko-KR" dirty="0"/>
-              <a:t>Write why CNN, why sub-6GHZ is used (one pilot), why channel factors (efficient), then introduce beamformer introduction as an application</a:t>
-            </a:r>
             <a:endParaRPr lang="ko-KR" altLang="en-US" dirty="0"/>
           </a:p>
         </p:txBody>
@@ -1640,10 +1613,6 @@
           <a:bodyPr/>
           <a:lstStyle/>
           <a:p>
-            <a:r>
-              <a:rPr lang="en-US" altLang="ko-KR" dirty="0"/>
-              <a:t>Write why CNN, why sub-6GHZ is used (one pilot), why channel factors (efficient), then introduce beamformer introduction as an application</a:t>
-            </a:r>
             <a:endParaRPr lang="ko-KR" altLang="en-US" dirty="0"/>
           </a:p>
         </p:txBody>
@@ -1788,10 +1757,6 @@
           <a:bodyPr/>
           <a:lstStyle/>
           <a:p>
-            <a:r>
-              <a:rPr lang="en-US" altLang="ko-KR" dirty="0"/>
-              <a:t>Write why CNN, why sub-6GHZ is used (one pilot), why channel factors (efficient), then introduce beamformer introduction as an application</a:t>
-            </a:r>
             <a:endParaRPr lang="ko-KR" altLang="en-US" dirty="0"/>
           </a:p>
         </p:txBody>
@@ -1936,10 +1901,6 @@
           <a:bodyPr/>
           <a:lstStyle/>
           <a:p>
-            <a:r>
-              <a:rPr lang="en-US" altLang="ko-KR" dirty="0"/>
-              <a:t>Write why CNN, why sub-6GHZ is used (one pilot), why channel factors (efficient), then introduce beamformer introduction as an application</a:t>
-            </a:r>
             <a:endParaRPr lang="ko-KR" altLang="en-US" dirty="0"/>
           </a:p>
         </p:txBody>
@@ -2084,10 +2045,6 @@
           <a:bodyPr/>
           <a:lstStyle/>
           <a:p>
-            <a:r>
-              <a:rPr lang="en-US" altLang="ko-KR" dirty="0"/>
-              <a:t>Write why CNN, why sub-6GHZ is used (one pilot), why channel factors (efficient), then introduce beamformer introduction as an application</a:t>
-            </a:r>
             <a:endParaRPr lang="ko-KR" altLang="en-US" dirty="0"/>
           </a:p>
         </p:txBody>
@@ -2337,7 +2294,7 @@
           <a:p>
             <a:fld id="{A56A3335-778A-4FA2-8A4B-4F245629C2F9}" type="datetimeFigureOut">
               <a:rPr lang="ko-KR" altLang="en-US" smtClean="0"/>
-              <a:t>2022-06-19</a:t>
+              <a:t>2022-06-21</a:t>
             </a:fld>
             <a:endParaRPr lang="ko-KR" altLang="en-US"/>
           </a:p>
@@ -2537,7 +2494,7 @@
           <a:p>
             <a:fld id="{A56A3335-778A-4FA2-8A4B-4F245629C2F9}" type="datetimeFigureOut">
               <a:rPr lang="ko-KR" altLang="en-US" smtClean="0"/>
-              <a:t>2022-06-19</a:t>
+              <a:t>2022-06-21</a:t>
             </a:fld>
             <a:endParaRPr lang="ko-KR" altLang="en-US"/>
           </a:p>
@@ -2747,7 +2704,7 @@
           <a:p>
             <a:fld id="{A56A3335-778A-4FA2-8A4B-4F245629C2F9}" type="datetimeFigureOut">
               <a:rPr lang="ko-KR" altLang="en-US" smtClean="0"/>
-              <a:t>2022-06-19</a:t>
+              <a:t>2022-06-21</a:t>
             </a:fld>
             <a:endParaRPr lang="ko-KR" altLang="en-US"/>
           </a:p>
@@ -2947,7 +2904,7 @@
           <a:p>
             <a:fld id="{A56A3335-778A-4FA2-8A4B-4F245629C2F9}" type="datetimeFigureOut">
               <a:rPr lang="ko-KR" altLang="en-US" smtClean="0"/>
-              <a:t>2022-06-19</a:t>
+              <a:t>2022-06-21</a:t>
             </a:fld>
             <a:endParaRPr lang="ko-KR" altLang="en-US"/>
           </a:p>
@@ -3223,7 +3180,7 @@
           <a:p>
             <a:fld id="{A56A3335-778A-4FA2-8A4B-4F245629C2F9}" type="datetimeFigureOut">
               <a:rPr lang="ko-KR" altLang="en-US" smtClean="0"/>
-              <a:t>2022-06-19</a:t>
+              <a:t>2022-06-21</a:t>
             </a:fld>
             <a:endParaRPr lang="ko-KR" altLang="en-US"/>
           </a:p>
@@ -3491,7 +3448,7 @@
           <a:p>
             <a:fld id="{A56A3335-778A-4FA2-8A4B-4F245629C2F9}" type="datetimeFigureOut">
               <a:rPr lang="ko-KR" altLang="en-US" smtClean="0"/>
-              <a:t>2022-06-19</a:t>
+              <a:t>2022-06-21</a:t>
             </a:fld>
             <a:endParaRPr lang="ko-KR" altLang="en-US"/>
           </a:p>
@@ -3906,7 +3863,7 @@
           <a:p>
             <a:fld id="{A56A3335-778A-4FA2-8A4B-4F245629C2F9}" type="datetimeFigureOut">
               <a:rPr lang="ko-KR" altLang="en-US" smtClean="0"/>
-              <a:t>2022-06-19</a:t>
+              <a:t>2022-06-21</a:t>
             </a:fld>
             <a:endParaRPr lang="ko-KR" altLang="en-US"/>
           </a:p>
@@ -4048,7 +4005,7 @@
           <a:p>
             <a:fld id="{A56A3335-778A-4FA2-8A4B-4F245629C2F9}" type="datetimeFigureOut">
               <a:rPr lang="ko-KR" altLang="en-US" smtClean="0"/>
-              <a:t>2022-06-19</a:t>
+              <a:t>2022-06-21</a:t>
             </a:fld>
             <a:endParaRPr lang="ko-KR" altLang="en-US"/>
           </a:p>
@@ -4161,7 +4118,7 @@
           <a:p>
             <a:fld id="{A56A3335-778A-4FA2-8A4B-4F245629C2F9}" type="datetimeFigureOut">
               <a:rPr lang="ko-KR" altLang="en-US" smtClean="0"/>
-              <a:t>2022-06-19</a:t>
+              <a:t>2022-06-21</a:t>
             </a:fld>
             <a:endParaRPr lang="ko-KR" altLang="en-US"/>
           </a:p>
@@ -4474,7 +4431,7 @@
           <a:p>
             <a:fld id="{A56A3335-778A-4FA2-8A4B-4F245629C2F9}" type="datetimeFigureOut">
               <a:rPr lang="ko-KR" altLang="en-US" smtClean="0"/>
-              <a:t>2022-06-19</a:t>
+              <a:t>2022-06-21</a:t>
             </a:fld>
             <a:endParaRPr lang="ko-KR" altLang="en-US"/>
           </a:p>
@@ -4763,7 +4720,7 @@
           <a:p>
             <a:fld id="{A56A3335-778A-4FA2-8A4B-4F245629C2F9}" type="datetimeFigureOut">
               <a:rPr lang="ko-KR" altLang="en-US" smtClean="0"/>
-              <a:t>2022-06-19</a:t>
+              <a:t>2022-06-21</a:t>
             </a:fld>
             <a:endParaRPr lang="ko-KR" altLang="en-US"/>
           </a:p>
@@ -5006,7 +4963,7 @@
           <a:p>
             <a:fld id="{A56A3335-778A-4FA2-8A4B-4F245629C2F9}" type="datetimeFigureOut">
               <a:rPr lang="ko-KR" altLang="en-US" smtClean="0"/>
-              <a:t>2022-06-19</a:t>
+              <a:t>2022-06-21</a:t>
             </a:fld>
             <a:endParaRPr lang="ko-KR" altLang="en-US"/>
           </a:p>
@@ -7119,8 +7076,8 @@
           </a:p>
         </p:txBody>
       </p:sp>
-      <mc:AlternateContent xmlns:mc="http://schemas.openxmlformats.org/markup-compatibility/2006">
-        <mc:Choice xmlns:a14="http://schemas.microsoft.com/office/drawing/2010/main" Requires="a14">
+      <mc:AlternateContent xmlns:mc="http://schemas.openxmlformats.org/markup-compatibility/2006" xmlns:a14="http://schemas.microsoft.com/office/drawing/2010/main">
+        <mc:Choice Requires="a14">
           <p:sp>
             <p:nvSpPr>
               <p:cNvPr id="3" name="TextBox 2">
@@ -7356,7 +7313,7 @@
             </p:txBody>
           </p:sp>
         </mc:Choice>
-        <mc:Fallback>
+        <mc:Fallback xmlns="">
           <p:sp>
             <p:nvSpPr>
               <p:cNvPr id="3" name="TextBox 2">
@@ -7404,8 +7361,8 @@
           </p:sp>
         </mc:Fallback>
       </mc:AlternateContent>
-      <mc:AlternateContent xmlns:mc="http://schemas.openxmlformats.org/markup-compatibility/2006">
-        <mc:Choice xmlns:a14="http://schemas.microsoft.com/office/drawing/2010/main" Requires="a14">
+      <mc:AlternateContent xmlns:mc="http://schemas.openxmlformats.org/markup-compatibility/2006" xmlns:a14="http://schemas.microsoft.com/office/drawing/2010/main">
+        <mc:Choice Requires="a14">
           <p:graphicFrame>
             <p:nvGraphicFramePr>
               <p:cNvPr id="4" name="Table 4">
@@ -8254,7 +8211,7 @@
             </a:graphic>
           </p:graphicFrame>
         </mc:Choice>
-        <mc:Fallback>
+        <mc:Fallback xmlns="">
           <p:graphicFrame>
             <p:nvGraphicFramePr>
               <p:cNvPr id="4" name="Table 4">
@@ -9315,8 +9272,8 @@
           </a:prstGeom>
         </p:spPr>
       </p:pic>
-      <mc:AlternateContent xmlns:mc="http://schemas.openxmlformats.org/markup-compatibility/2006">
-        <mc:Choice xmlns:a14="http://schemas.microsoft.com/office/drawing/2010/main" Requires="a14">
+      <mc:AlternateContent xmlns:mc="http://schemas.openxmlformats.org/markup-compatibility/2006" xmlns:a14="http://schemas.microsoft.com/office/drawing/2010/main">
+        <mc:Choice Requires="a14">
           <p:graphicFrame>
             <p:nvGraphicFramePr>
               <p:cNvPr id="13" name="Table 13">
@@ -10057,7 +10014,7 @@
             </a:graphic>
           </p:graphicFrame>
         </mc:Choice>
-        <mc:Fallback>
+        <mc:Fallback xmlns="">
           <p:graphicFrame>
             <p:nvGraphicFramePr>
               <p:cNvPr id="13" name="Table 13">
@@ -10909,6 +10866,179 @@
           </a:p>
         </p:txBody>
       </p:sp>
+      <p:pic>
+        <p:nvPicPr>
+          <p:cNvPr id="4" name="Picture 3" descr="Chart, line chart&#10;&#10;Description automatically generated">
+            <a:extLst>
+              <a:ext uri="{FF2B5EF4-FFF2-40B4-BE49-F238E27FC236}">
+                <a16:creationId xmlns:a16="http://schemas.microsoft.com/office/drawing/2014/main" id="{1348F5D5-23D1-B6B9-3469-D10B889922C6}"/>
+              </a:ext>
+            </a:extLst>
+          </p:cNvPr>
+          <p:cNvPicPr>
+            <a:picLocks noChangeAspect="1"/>
+          </p:cNvPicPr>
+          <p:nvPr/>
+        </p:nvPicPr>
+        <p:blipFill>
+          <a:blip r:embed="rId3">
+            <a:extLst>
+              <a:ext uri="{28A0092B-C50C-407E-A947-70E740481C1C}">
+                <a14:useLocalDpi xmlns:a14="http://schemas.microsoft.com/office/drawing/2010/main" val="0"/>
+              </a:ext>
+            </a:extLst>
+          </a:blip>
+          <a:stretch>
+            <a:fillRect/>
+          </a:stretch>
+        </p:blipFill>
+        <p:spPr>
+          <a:xfrm>
+            <a:off x="5437040" y="928999"/>
+            <a:ext cx="6666667" cy="5796265"/>
+          </a:xfrm>
+          <a:prstGeom prst="rect">
+            <a:avLst/>
+          </a:prstGeom>
+        </p:spPr>
+      </p:pic>
+      <p:sp>
+        <p:nvSpPr>
+          <p:cNvPr id="5" name="TextBox 4">
+            <a:extLst>
+              <a:ext uri="{FF2B5EF4-FFF2-40B4-BE49-F238E27FC236}">
+                <a16:creationId xmlns:a16="http://schemas.microsoft.com/office/drawing/2014/main" id="{328A3DFD-26F3-FCDE-80FE-B2C8FD643ED8}"/>
+              </a:ext>
+            </a:extLst>
+          </p:cNvPr>
+          <p:cNvSpPr txBox="1"/>
+          <p:nvPr/>
+        </p:nvSpPr>
+        <p:spPr>
+          <a:xfrm>
+            <a:off x="0" y="1052052"/>
+            <a:ext cx="5781368" cy="5632311"/>
+          </a:xfrm>
+          <a:prstGeom prst="rect">
+            <a:avLst/>
+          </a:prstGeom>
+          <a:noFill/>
+        </p:spPr>
+        <p:txBody>
+          <a:bodyPr wrap="square" rtlCol="0">
+            <a:spAutoFit/>
+          </a:bodyPr>
+          <a:lstStyle/>
+          <a:p>
+            <a:pPr marL="285750" indent="-285750">
+              <a:buFont typeface="Arial" panose="020B0604020202020204" pitchFamily="34" charset="0"/>
+              <a:buChar char="•"/>
+            </a:pPr>
+            <a:r>
+              <a:rPr lang="en-US" altLang="ko-KR" dirty="0">
+                <a:latin typeface="Cambria" panose="02040503050406030204" pitchFamily="18" charset="0"/>
+              </a:rPr>
+              <a:t>Top-3 rate – 3 best beams predicted by model</a:t>
+            </a:r>
+          </a:p>
+          <a:p>
+            <a:r>
+              <a:rPr lang="en-US" altLang="ko-KR" dirty="0">
+                <a:latin typeface="Cambria" panose="02040503050406030204" pitchFamily="18" charset="0"/>
+              </a:rPr>
+              <a:t>      Top-1 rate – best beam predicted by model</a:t>
+            </a:r>
+          </a:p>
+          <a:p>
+            <a:endParaRPr lang="en-US" altLang="ko-KR" dirty="0">
+              <a:latin typeface="Cambria" panose="02040503050406030204" pitchFamily="18" charset="0"/>
+            </a:endParaRPr>
+          </a:p>
+          <a:p>
+            <a:pPr marL="285750" indent="-285750">
+              <a:buFont typeface="Arial" panose="020B0604020202020204" pitchFamily="34" charset="0"/>
+              <a:buChar char="•"/>
+            </a:pPr>
+            <a:r>
+              <a:rPr lang="en-US" altLang="ko-KR" dirty="0">
+                <a:latin typeface="Cambria" panose="02040503050406030204" pitchFamily="18" charset="0"/>
+              </a:rPr>
+              <a:t>A wide range of SNR values (-17dB to 25dB) is taken.</a:t>
+            </a:r>
+          </a:p>
+          <a:p>
+            <a:endParaRPr lang="en-US" altLang="ko-KR" dirty="0">
+              <a:latin typeface="Cambria" panose="02040503050406030204" pitchFamily="18" charset="0"/>
+            </a:endParaRPr>
+          </a:p>
+          <a:p>
+            <a:pPr marL="285750" indent="-285750">
+              <a:buFont typeface="Arial" panose="020B0604020202020204" pitchFamily="34" charset="0"/>
+              <a:buChar char="•"/>
+            </a:pPr>
+            <a:r>
+              <a:rPr lang="en-US" altLang="ko-KR" dirty="0">
+                <a:latin typeface="Cambria" panose="02040503050406030204" pitchFamily="18" charset="0"/>
+              </a:rPr>
+              <a:t>Proposed algorithm Top-3 rate approaches computationally prohibitive upper bound spectral efficiency – proving the accuracy of estimated THz channel factors</a:t>
+            </a:r>
+          </a:p>
+          <a:p>
+            <a:endParaRPr lang="en-US" altLang="ko-KR" dirty="0">
+              <a:latin typeface="Cambria" panose="02040503050406030204" pitchFamily="18" charset="0"/>
+            </a:endParaRPr>
+          </a:p>
+          <a:p>
+            <a:pPr marL="285750" indent="-285750">
+              <a:buFont typeface="Arial" panose="020B0604020202020204" pitchFamily="34" charset="0"/>
+              <a:buChar char="•"/>
+            </a:pPr>
+            <a:r>
+              <a:rPr lang="en-US" altLang="ko-KR" dirty="0">
+                <a:latin typeface="Cambria" panose="02040503050406030204" pitchFamily="18" charset="0"/>
+              </a:rPr>
+              <a:t>Proposed algorithm Top-1 rate outperforms Baseline Top-3 rate -  validating our Sub-6GHz based approach.</a:t>
+            </a:r>
+          </a:p>
+          <a:p>
+            <a:endParaRPr lang="en-US" altLang="ko-KR" dirty="0">
+              <a:latin typeface="Cambria" panose="02040503050406030204" pitchFamily="18" charset="0"/>
+            </a:endParaRPr>
+          </a:p>
+          <a:p>
+            <a:pPr marL="285750" indent="-285750">
+              <a:buFont typeface="Arial" panose="020B0604020202020204" pitchFamily="34" charset="0"/>
+              <a:buChar char="•"/>
+            </a:pPr>
+            <a:r>
+              <a:rPr lang="en-US" altLang="ko-KR" dirty="0">
+                <a:latin typeface="Cambria" panose="02040503050406030204" pitchFamily="18" charset="0"/>
+              </a:rPr>
+              <a:t>Baseline method inefficient because of THz channel matrix input (high dimensionality).</a:t>
+            </a:r>
+          </a:p>
+          <a:p>
+            <a:endParaRPr lang="en-US" altLang="ko-KR" dirty="0">
+              <a:latin typeface="Cambria" panose="02040503050406030204" pitchFamily="18" charset="0"/>
+            </a:endParaRPr>
+          </a:p>
+          <a:p>
+            <a:pPr marL="285750" indent="-285750">
+              <a:buFont typeface="Arial" panose="020B0604020202020204" pitchFamily="34" charset="0"/>
+              <a:buChar char="•"/>
+            </a:pPr>
+            <a:r>
+              <a:rPr lang="en-US" altLang="ko-KR" dirty="0">
+                <a:latin typeface="Cambria" panose="02040503050406030204" pitchFamily="18" charset="0"/>
+              </a:rPr>
+              <a:t>Baseline model is underperforming than our Sub-6GHz based proposed algorithm – because severe THz attenuation renders the THz channel matrix highly noisy; not suitable for machine learning.</a:t>
+            </a:r>
+            <a:endParaRPr lang="ko-KR" altLang="en-US" dirty="0">
+              <a:latin typeface="Cambria" panose="02040503050406030204" pitchFamily="18" charset="0"/>
+            </a:endParaRPr>
+          </a:p>
+        </p:txBody>
+      </p:sp>
     </p:spTree>
     <p:extLst>
       <p:ext uri="{BB962C8B-B14F-4D97-AF65-F5344CB8AC3E}">
@@ -13672,8 +13802,8 @@
           </a:p>
         </p:txBody>
       </p:sp>
-      <mc:AlternateContent xmlns:mc="http://schemas.openxmlformats.org/markup-compatibility/2006">
-        <mc:Choice xmlns:a14="http://schemas.microsoft.com/office/drawing/2010/main" Requires="a14">
+      <mc:AlternateContent xmlns:mc="http://schemas.openxmlformats.org/markup-compatibility/2006" xmlns:a14="http://schemas.microsoft.com/office/drawing/2010/main">
+        <mc:Choice Requires="a14">
           <p:sp>
             <p:nvSpPr>
               <p:cNvPr id="40" name="Rectangle 39">
@@ -14464,7 +14594,7 @@
             </p:txBody>
           </p:sp>
         </mc:Choice>
-        <mc:Fallback>
+        <mc:Fallback xmlns="">
           <p:sp>
             <p:nvSpPr>
               <p:cNvPr id="40" name="Rectangle 39">
@@ -14602,8 +14732,8 @@
           </a:p>
         </p:txBody>
       </p:sp>
-      <mc:AlternateContent xmlns:mc="http://schemas.openxmlformats.org/markup-compatibility/2006">
-        <mc:Choice xmlns:a14="http://schemas.microsoft.com/office/drawing/2010/main" Requires="a14">
+      <mc:AlternateContent xmlns:mc="http://schemas.openxmlformats.org/markup-compatibility/2006" xmlns:a14="http://schemas.microsoft.com/office/drawing/2010/main">
+        <mc:Choice Requires="a14">
           <p:sp>
             <p:nvSpPr>
               <p:cNvPr id="42" name="Rectangle 41">
@@ -15311,7 +15441,7 @@
             </p:txBody>
           </p:sp>
         </mc:Choice>
-        <mc:Fallback>
+        <mc:Fallback xmlns="">
           <p:sp>
             <p:nvSpPr>
               <p:cNvPr id="42" name="Rectangle 41">
@@ -15558,8 +15688,8 @@
           </a:p>
         </p:txBody>
       </p:sp>
-      <mc:AlternateContent xmlns:mc="http://schemas.openxmlformats.org/markup-compatibility/2006">
-        <mc:Choice xmlns:a14="http://schemas.microsoft.com/office/drawing/2010/main" Requires="a14">
+      <mc:AlternateContent xmlns:mc="http://schemas.openxmlformats.org/markup-compatibility/2006" xmlns:a14="http://schemas.microsoft.com/office/drawing/2010/main">
+        <mc:Choice Requires="a14">
           <p:sp>
             <p:nvSpPr>
               <p:cNvPr id="4" name="Rectangle 3">
@@ -16521,7 +16651,7 @@
             </p:txBody>
           </p:sp>
         </mc:Choice>
-        <mc:Fallback>
+        <mc:Fallback xmlns="">
           <p:sp>
             <p:nvSpPr>
               <p:cNvPr id="4" name="Rectangle 3">
@@ -16573,8 +16703,8 @@
           </p:sp>
         </mc:Fallback>
       </mc:AlternateContent>
-      <mc:AlternateContent xmlns:mc="http://schemas.openxmlformats.org/markup-compatibility/2006">
-        <mc:Choice xmlns:a14="http://schemas.microsoft.com/office/drawing/2010/main" Requires="a14">
+      <mc:AlternateContent xmlns:mc="http://schemas.openxmlformats.org/markup-compatibility/2006" xmlns:a14="http://schemas.microsoft.com/office/drawing/2010/main">
+        <mc:Choice Requires="a14">
           <p:sp>
             <p:nvSpPr>
               <p:cNvPr id="5" name="TextBox 4">
@@ -17052,7 +17182,7 @@
             </p:txBody>
           </p:sp>
         </mc:Choice>
-        <mc:Fallback>
+        <mc:Fallback xmlns="">
           <p:sp>
             <p:nvSpPr>
               <p:cNvPr id="5" name="TextBox 4">
@@ -17217,8 +17347,8 @@
           </a:p>
         </p:txBody>
       </p:sp>
-      <mc:AlternateContent xmlns:mc="http://schemas.openxmlformats.org/markup-compatibility/2006">
-        <mc:Choice xmlns:a14="http://schemas.microsoft.com/office/drawing/2010/main" Requires="a14">
+      <mc:AlternateContent xmlns:mc="http://schemas.openxmlformats.org/markup-compatibility/2006" xmlns:a14="http://schemas.microsoft.com/office/drawing/2010/main">
+        <mc:Choice Requires="a14">
           <p:sp>
             <p:nvSpPr>
               <p:cNvPr id="3" name="TextBox 2">
@@ -18672,7 +18802,7 @@
             </p:txBody>
           </p:sp>
         </mc:Choice>
-        <mc:Fallback>
+        <mc:Fallback xmlns="">
           <p:sp>
             <p:nvSpPr>
               <p:cNvPr id="3" name="TextBox 2">
@@ -21473,8 +21603,8 @@
           </a:p>
         </p:txBody>
       </p:sp>
-      <mc:AlternateContent xmlns:mc="http://schemas.openxmlformats.org/markup-compatibility/2006">
-        <mc:Choice xmlns:a14="http://schemas.microsoft.com/office/drawing/2010/main" Requires="a14">
+      <mc:AlternateContent xmlns:mc="http://schemas.openxmlformats.org/markup-compatibility/2006" xmlns:a14="http://schemas.microsoft.com/office/drawing/2010/main">
+        <mc:Choice Requires="a14">
           <p:sp>
             <p:nvSpPr>
               <p:cNvPr id="3" name="TextBox 2">
@@ -22201,7 +22331,7 @@
             </p:txBody>
           </p:sp>
         </mc:Choice>
-        <mc:Fallback>
+        <mc:Fallback xmlns="">
           <p:sp>
             <p:nvSpPr>
               <p:cNvPr id="3" name="TextBox 2">
@@ -23337,8 +23467,8 @@
           </a:p>
         </p:txBody>
       </p:sp>
-      <mc:AlternateContent xmlns:mc="http://schemas.openxmlformats.org/markup-compatibility/2006">
-        <mc:Choice xmlns:a14="http://schemas.microsoft.com/office/drawing/2010/main" Requires="a14">
+      <mc:AlternateContent xmlns:mc="http://schemas.openxmlformats.org/markup-compatibility/2006" xmlns:a14="http://schemas.microsoft.com/office/drawing/2010/main">
+        <mc:Choice Requires="a14">
           <p:sp>
             <p:nvSpPr>
               <p:cNvPr id="3" name="TextBox 2">
@@ -23822,7 +23952,7 @@
             </p:txBody>
           </p:sp>
         </mc:Choice>
-        <mc:Fallback>
+        <mc:Fallback xmlns="">
           <p:sp>
             <p:nvSpPr>
               <p:cNvPr id="3" name="TextBox 2">
@@ -23870,8 +24000,8 @@
           </p:sp>
         </mc:Fallback>
       </mc:AlternateContent>
-      <mc:AlternateContent xmlns:mc="http://schemas.openxmlformats.org/markup-compatibility/2006">
-        <mc:Choice xmlns:a14="http://schemas.microsoft.com/office/drawing/2010/main" Requires="a14">
+      <mc:AlternateContent xmlns:mc="http://schemas.openxmlformats.org/markup-compatibility/2006" xmlns:a14="http://schemas.microsoft.com/office/drawing/2010/main">
+        <mc:Choice Requires="a14">
           <p:sp>
             <p:nvSpPr>
               <p:cNvPr id="4" name="Rectangle 3">
@@ -24198,7 +24328,7 @@
             </p:txBody>
           </p:sp>
         </mc:Choice>
-        <mc:Fallback>
+        <mc:Fallback xmlns="">
           <p:sp>
             <p:nvSpPr>
               <p:cNvPr id="4" name="Rectangle 3">
@@ -24250,8 +24380,8 @@
           </p:sp>
         </mc:Fallback>
       </mc:AlternateContent>
-      <mc:AlternateContent xmlns:mc="http://schemas.openxmlformats.org/markup-compatibility/2006">
-        <mc:Choice xmlns:a14="http://schemas.microsoft.com/office/drawing/2010/main" Requires="a14">
+      <mc:AlternateContent xmlns:mc="http://schemas.openxmlformats.org/markup-compatibility/2006" xmlns:a14="http://schemas.microsoft.com/office/drawing/2010/main">
+        <mc:Choice Requires="a14">
           <p:sp>
             <p:nvSpPr>
               <p:cNvPr id="5" name="TextBox 4">
@@ -24662,7 +24792,7 @@
             </p:txBody>
           </p:sp>
         </mc:Choice>
-        <mc:Fallback>
+        <mc:Fallback xmlns="">
           <p:sp>
             <p:nvSpPr>
               <p:cNvPr id="5" name="TextBox 4">
